--- a/Se7en.pptx
+++ b/Se7en.pptx
@@ -10,10 +10,11 @@
     <p:sldId id="258" r:id="rId4"/>
     <p:sldId id="259" r:id="rId5"/>
     <p:sldId id="260" r:id="rId6"/>
-    <p:sldId id="261" r:id="rId7"/>
+    <p:sldId id="265" r:id="rId7"/>
     <p:sldId id="262" r:id="rId8"/>
-    <p:sldId id="263" r:id="rId9"/>
-    <p:sldId id="264" r:id="rId10"/>
+    <p:sldId id="261" r:id="rId9"/>
+    <p:sldId id="263" r:id="rId10"/>
+    <p:sldId id="264" r:id="rId11"/>
   </p:sldIdLst>
   <p:sldSz cx="12192000" cy="6858000"/>
   <p:notesSz cx="6858000" cy="9144000"/>
@@ -112,6 +113,11 @@
       </a:defRPr>
     </a:lvl9pPr>
   </p:defaultTextStyle>
+  <p:extLst>
+    <p:ext uri="{EFAFB233-063F-42B5-8137-9DF3F51BA10A}">
+      <p15:sldGuideLst xmlns:p15="http://schemas.microsoft.com/office/powerpoint/2012/main"/>
+    </p:ext>
+  </p:extLst>
 </p:presentation>
 </file>
 
@@ -262,7 +268,7 @@
           <a:p>
             <a:fld id="{0DAF61AA-5A98-4049-A93E-477E5505141A}" type="datetimeFigureOut">
               <a:rPr lang="en-US" smtClean="0"/>
-              <a:t>10/22/20</a:t>
+              <a:t>10/23/20</a:t>
             </a:fld>
             <a:endParaRPr lang="en-US" dirty="0"/>
           </a:p>
@@ -460,7 +466,7 @@
           <a:p>
             <a:fld id="{0DAF61AA-5A98-4049-A93E-477E5505141A}" type="datetimeFigureOut">
               <a:rPr lang="en-US" smtClean="0"/>
-              <a:t>10/22/20</a:t>
+              <a:t>10/23/20</a:t>
             </a:fld>
             <a:endParaRPr lang="en-US"/>
           </a:p>
@@ -668,7 +674,7 @@
           <a:p>
             <a:fld id="{0DAF61AA-5A98-4049-A93E-477E5505141A}" type="datetimeFigureOut">
               <a:rPr lang="en-US" smtClean="0"/>
-              <a:t>10/22/20</a:t>
+              <a:t>10/23/20</a:t>
             </a:fld>
             <a:endParaRPr lang="en-US"/>
           </a:p>
@@ -866,7 +872,7 @@
           <a:p>
             <a:fld id="{0DAF61AA-5A98-4049-A93E-477E5505141A}" type="datetimeFigureOut">
               <a:rPr lang="en-US" smtClean="0"/>
-              <a:t>10/22/20</a:t>
+              <a:t>10/23/20</a:t>
             </a:fld>
             <a:endParaRPr lang="en-US"/>
           </a:p>
@@ -1141,7 +1147,7 @@
           <a:p>
             <a:fld id="{0DAF61AA-5A98-4049-A93E-477E5505141A}" type="datetimeFigureOut">
               <a:rPr lang="en-US" smtClean="0"/>
-              <a:t>10/22/20</a:t>
+              <a:t>10/23/20</a:t>
             </a:fld>
             <a:endParaRPr lang="en-US"/>
           </a:p>
@@ -1406,7 +1412,7 @@
           <a:p>
             <a:fld id="{0DAF61AA-5A98-4049-A93E-477E5505141A}" type="datetimeFigureOut">
               <a:rPr lang="en-US" smtClean="0"/>
-              <a:t>10/22/20</a:t>
+              <a:t>10/23/20</a:t>
             </a:fld>
             <a:endParaRPr lang="en-US"/>
           </a:p>
@@ -1818,7 +1824,7 @@
           <a:p>
             <a:fld id="{0DAF61AA-5A98-4049-A93E-477E5505141A}" type="datetimeFigureOut">
               <a:rPr lang="en-US" smtClean="0"/>
-              <a:t>10/22/20</a:t>
+              <a:t>10/23/20</a:t>
             </a:fld>
             <a:endParaRPr lang="en-US"/>
           </a:p>
@@ -1959,7 +1965,7 @@
           <a:p>
             <a:fld id="{0DAF61AA-5A98-4049-A93E-477E5505141A}" type="datetimeFigureOut">
               <a:rPr lang="en-US" smtClean="0"/>
-              <a:t>10/22/20</a:t>
+              <a:t>10/23/20</a:t>
             </a:fld>
             <a:endParaRPr lang="en-US"/>
           </a:p>
@@ -2072,7 +2078,7 @@
           <a:p>
             <a:fld id="{0DAF61AA-5A98-4049-A93E-477E5505141A}" type="datetimeFigureOut">
               <a:rPr lang="en-US" smtClean="0"/>
-              <a:t>10/22/20</a:t>
+              <a:t>10/23/20</a:t>
             </a:fld>
             <a:endParaRPr lang="en-US"/>
           </a:p>
@@ -2383,7 +2389,7 @@
           <a:p>
             <a:fld id="{0DAF61AA-5A98-4049-A93E-477E5505141A}" type="datetimeFigureOut">
               <a:rPr lang="en-US" smtClean="0"/>
-              <a:t>10/22/20</a:t>
+              <a:t>10/23/20</a:t>
             </a:fld>
             <a:endParaRPr lang="en-US"/>
           </a:p>
@@ -2674,7 +2680,7 @@
           <a:p>
             <a:fld id="{0DAF61AA-5A98-4049-A93E-477E5505141A}" type="datetimeFigureOut">
               <a:rPr lang="en-US" smtClean="0"/>
-              <a:t>10/22/20</a:t>
+              <a:t>10/23/20</a:t>
             </a:fld>
             <a:endParaRPr lang="en-US"/>
           </a:p>
@@ -6362,7 +6368,7 @@
             <a:fld id="{0DAF61AA-5A98-4049-A93E-477E5505141A}" type="datetimeFigureOut">
               <a:rPr lang="en-US" smtClean="0"/>
               <a:pPr/>
-              <a:t>10/22/20</a:t>
+              <a:t>10/23/20</a:t>
             </a:fld>
             <a:endParaRPr lang="en-US" dirty="0"/>
           </a:p>
@@ -12027,6 +12033,155 @@
 </p:sld>
 </file>
 
+<file path=ppt/slides/slide10.xml><?xml version="1.0" encoding="utf-8"?>
+<p:sld xmlns:a="http://schemas.openxmlformats.org/drawingml/2006/main" xmlns:r="http://schemas.openxmlformats.org/officeDocument/2006/relationships" xmlns:p="http://schemas.openxmlformats.org/presentationml/2006/main">
+  <p:cSld>
+    <p:spTree>
+      <p:nvGrpSpPr>
+        <p:cNvPr id="1" name=""/>
+        <p:cNvGrpSpPr/>
+        <p:nvPr/>
+      </p:nvGrpSpPr>
+      <p:grpSpPr>
+        <a:xfrm>
+          <a:off x="0" y="0"/>
+          <a:ext cx="0" cy="0"/>
+          <a:chOff x="0" y="0"/>
+          <a:chExt cx="0" cy="0"/>
+        </a:xfrm>
+      </p:grpSpPr>
+      <p:sp>
+        <p:nvSpPr>
+          <p:cNvPr id="2" name="Title 1">
+            <a:extLst>
+              <a:ext uri="{FF2B5EF4-FFF2-40B4-BE49-F238E27FC236}">
+                <a16:creationId xmlns:a16="http://schemas.microsoft.com/office/drawing/2014/main" id="{F7A140CF-C3D3-1F4A-8831-2D9DCC1EFFC1}"/>
+              </a:ext>
+            </a:extLst>
+          </p:cNvPr>
+          <p:cNvSpPr>
+            <a:spLocks noGrp="1"/>
+          </p:cNvSpPr>
+          <p:nvPr>
+            <p:ph type="title"/>
+          </p:nvPr>
+        </p:nvSpPr>
+        <p:spPr/>
+        <p:txBody>
+          <a:bodyPr>
+            <a:normAutofit fontScale="90000"/>
+          </a:bodyPr>
+          <a:lstStyle/>
+          <a:p>
+            <a:r>
+              <a:rPr lang="en-US" dirty="0"/>
+              <a:t>Air Quality Index for Private vs Commercial cars</a:t>
+            </a:r>
+          </a:p>
+        </p:txBody>
+      </p:sp>
+      <p:pic>
+        <p:nvPicPr>
+          <p:cNvPr id="5" name="Content Placeholder 4" descr="Chart, box and whisker chart&#10;&#10;Description automatically generated">
+            <a:extLst>
+              <a:ext uri="{FF2B5EF4-FFF2-40B4-BE49-F238E27FC236}">
+                <a16:creationId xmlns:a16="http://schemas.microsoft.com/office/drawing/2014/main" id="{DEE3CE30-C1EC-0546-B151-BF575EC10228}"/>
+              </a:ext>
+            </a:extLst>
+          </p:cNvPr>
+          <p:cNvPicPr>
+            <a:picLocks noGrp="1" noChangeAspect="1"/>
+          </p:cNvPicPr>
+          <p:nvPr>
+            <p:ph idx="1"/>
+          </p:nvPr>
+        </p:nvPicPr>
+        <p:blipFill>
+          <a:blip r:embed="rId2"/>
+          <a:stretch>
+            <a:fillRect/>
+          </a:stretch>
+        </p:blipFill>
+        <p:spPr>
+          <a:xfrm>
+            <a:off x="237479" y="1914525"/>
+            <a:ext cx="3709722" cy="2644644"/>
+          </a:xfrm>
+        </p:spPr>
+      </p:pic>
+      <p:pic>
+        <p:nvPicPr>
+          <p:cNvPr id="7" name="Picture 6" descr="Chart, box and whisker chart&#10;&#10;Description automatically generated">
+            <a:extLst>
+              <a:ext uri="{FF2B5EF4-FFF2-40B4-BE49-F238E27FC236}">
+                <a16:creationId xmlns:a16="http://schemas.microsoft.com/office/drawing/2014/main" id="{8B386162-C574-CD49-A4A7-5688E37F2B1A}"/>
+              </a:ext>
+            </a:extLst>
+          </p:cNvPr>
+          <p:cNvPicPr>
+            <a:picLocks noChangeAspect="1"/>
+          </p:cNvPicPr>
+          <p:nvPr/>
+        </p:nvPicPr>
+        <p:blipFill>
+          <a:blip r:embed="rId3"/>
+          <a:stretch>
+            <a:fillRect/>
+          </a:stretch>
+        </p:blipFill>
+        <p:spPr>
+          <a:xfrm>
+            <a:off x="8244799" y="1917766"/>
+            <a:ext cx="3709722" cy="2644644"/>
+          </a:xfrm>
+          <a:prstGeom prst="rect">
+            <a:avLst/>
+          </a:prstGeom>
+        </p:spPr>
+      </p:pic>
+      <p:pic>
+        <p:nvPicPr>
+          <p:cNvPr id="9" name="Picture 8" descr="Chart, box and whisker chart&#10;&#10;Description automatically generated">
+            <a:extLst>
+              <a:ext uri="{FF2B5EF4-FFF2-40B4-BE49-F238E27FC236}">
+                <a16:creationId xmlns:a16="http://schemas.microsoft.com/office/drawing/2014/main" id="{CB6EF2B5-322F-1D4B-9220-E257B0A3C94F}"/>
+              </a:ext>
+            </a:extLst>
+          </p:cNvPr>
+          <p:cNvPicPr>
+            <a:picLocks noChangeAspect="1"/>
+          </p:cNvPicPr>
+          <p:nvPr/>
+        </p:nvPicPr>
+        <p:blipFill>
+          <a:blip r:embed="rId4"/>
+          <a:stretch>
+            <a:fillRect/>
+          </a:stretch>
+        </p:blipFill>
+        <p:spPr>
+          <a:xfrm>
+            <a:off x="4241139" y="1914525"/>
+            <a:ext cx="3709722" cy="2644644"/>
+          </a:xfrm>
+          <a:prstGeom prst="rect">
+            <a:avLst/>
+          </a:prstGeom>
+        </p:spPr>
+      </p:pic>
+    </p:spTree>
+    <p:extLst>
+      <p:ext uri="{BB962C8B-B14F-4D97-AF65-F5344CB8AC3E}">
+        <p14:creationId xmlns:p14="http://schemas.microsoft.com/office/powerpoint/2010/main" val="3470521230"/>
+      </p:ext>
+    </p:extLst>
+  </p:cSld>
+  <p:clrMapOvr>
+    <a:masterClrMapping/>
+  </p:clrMapOvr>
+</p:sld>
+</file>
+
 <file path=ppt/slides/slide2.xml><?xml version="1.0" encoding="utf-8"?>
 <p:sld xmlns:a="http://schemas.openxmlformats.org/drawingml/2006/main" xmlns:r="http://schemas.openxmlformats.org/officeDocument/2006/relationships" xmlns:p="http://schemas.openxmlformats.org/presentationml/2006/main">
   <p:cSld>
@@ -12563,7 +12718,7 @@
           <p:cNvPr id="2" name="Title 1">
             <a:extLst>
               <a:ext uri="{FF2B5EF4-FFF2-40B4-BE49-F238E27FC236}">
-                <a16:creationId xmlns:a16="http://schemas.microsoft.com/office/drawing/2014/main" id="{E2CDF4C7-2288-A94E-BEB0-3C7A873A5E73}"/>
+                <a16:creationId xmlns:a16="http://schemas.microsoft.com/office/drawing/2014/main" id="{2AC37747-AF16-7647-9A5E-D637E9A3904B}"/>
               </a:ext>
             </a:extLst>
           </p:cNvPr>
@@ -12576,24 +12731,23 @@
         </p:nvSpPr>
         <p:spPr/>
         <p:txBody>
-          <a:bodyPr>
-            <a:normAutofit fontScale="90000"/>
-          </a:bodyPr>
+          <a:bodyPr/>
           <a:lstStyle/>
           <a:p>
             <a:r>
-              <a:rPr lang="en-US" dirty="0"/>
-              <a:t>Air quality Index vs Age of Cars for 2009, 2015 and 2020</a:t>
+              <a:rPr lang="en-US"/>
+              <a:t>Air Quality Index</a:t>
             </a:r>
+            <a:endParaRPr lang="en-US" dirty="0"/>
           </a:p>
         </p:txBody>
       </p:sp>
       <p:pic>
         <p:nvPicPr>
-          <p:cNvPr id="5" name="Content Placeholder 4">
+          <p:cNvPr id="5" name="Content Placeholder 4" descr="A picture containing table&#10;&#10;Description automatically generated">
             <a:extLst>
               <a:ext uri="{FF2B5EF4-FFF2-40B4-BE49-F238E27FC236}">
-                <a16:creationId xmlns:a16="http://schemas.microsoft.com/office/drawing/2014/main" id="{FF0FD265-5314-3846-BBA6-D8E7DCDD57CF}"/>
+                <a16:creationId xmlns:a16="http://schemas.microsoft.com/office/drawing/2014/main" id="{DE2EB4E1-E41F-8542-BB6F-1B050F5DC03D}"/>
               </a:ext>
             </a:extLst>
           </p:cNvPr>
@@ -12612,75 +12766,15 @@
         </p:blipFill>
         <p:spPr>
           <a:xfrm>
-            <a:off x="550734" y="1837982"/>
-            <a:ext cx="3375454" cy="2684874"/>
+            <a:off x="1284632" y="1825625"/>
+            <a:ext cx="9622735" cy="4351338"/>
           </a:xfrm>
-        </p:spPr>
-      </p:pic>
-      <p:pic>
-        <p:nvPicPr>
-          <p:cNvPr id="7" name="Picture 6" descr="Chart, scatter chart&#10;&#10;Description automatically generated">
-            <a:extLst>
-              <a:ext uri="{FF2B5EF4-FFF2-40B4-BE49-F238E27FC236}">
-                <a16:creationId xmlns:a16="http://schemas.microsoft.com/office/drawing/2014/main" id="{2FE2BC47-9997-3C48-9C95-2F0C06767F74}"/>
-              </a:ext>
-            </a:extLst>
-          </p:cNvPr>
-          <p:cNvPicPr>
-            <a:picLocks noChangeAspect="1"/>
-          </p:cNvPicPr>
-          <p:nvPr/>
-        </p:nvPicPr>
-        <p:blipFill>
-          <a:blip r:embed="rId3"/>
-          <a:stretch>
-            <a:fillRect/>
-          </a:stretch>
-        </p:blipFill>
-        <p:spPr>
-          <a:xfrm>
-            <a:off x="4479323" y="1837982"/>
-            <a:ext cx="3233354" cy="2658398"/>
-          </a:xfrm>
-          <a:prstGeom prst="rect">
-            <a:avLst/>
-          </a:prstGeom>
-        </p:spPr>
-      </p:pic>
-      <p:pic>
-        <p:nvPicPr>
-          <p:cNvPr id="9" name="Picture 8" descr="Chart, scatter chart&#10;&#10;Description automatically generated">
-            <a:extLst>
-              <a:ext uri="{FF2B5EF4-FFF2-40B4-BE49-F238E27FC236}">
-                <a16:creationId xmlns:a16="http://schemas.microsoft.com/office/drawing/2014/main" id="{4C84F602-12FF-B94E-9122-F225C1615D7A}"/>
-              </a:ext>
-            </a:extLst>
-          </p:cNvPr>
-          <p:cNvPicPr>
-            <a:picLocks noChangeAspect="1"/>
-          </p:cNvPicPr>
-          <p:nvPr/>
-        </p:nvPicPr>
-        <p:blipFill>
-          <a:blip r:embed="rId4"/>
-          <a:stretch>
-            <a:fillRect/>
-          </a:stretch>
-        </p:blipFill>
-        <p:spPr>
-          <a:xfrm>
-            <a:off x="8265812" y="1837982"/>
-            <a:ext cx="3375454" cy="2684874"/>
-          </a:xfrm>
-          <a:prstGeom prst="rect">
-            <a:avLst/>
-          </a:prstGeom>
         </p:spPr>
       </p:pic>
     </p:spTree>
     <p:extLst>
       <p:ext uri="{BB962C8B-B14F-4D97-AF65-F5344CB8AC3E}">
-        <p14:creationId xmlns:p14="http://schemas.microsoft.com/office/powerpoint/2010/main" val="2848688168"/>
+        <p14:creationId xmlns:p14="http://schemas.microsoft.com/office/powerpoint/2010/main" val="2922172696"/>
       </p:ext>
     </p:extLst>
   </p:cSld>
@@ -12761,8 +12855,8 @@
         </p:blipFill>
         <p:spPr>
           <a:xfrm>
-            <a:off x="666234" y="1844182"/>
-            <a:ext cx="3219731" cy="2295332"/>
+            <a:off x="171450" y="1491453"/>
+            <a:ext cx="3714515" cy="2648061"/>
           </a:xfrm>
         </p:spPr>
       </p:pic>
@@ -12788,8 +12882,8 @@
         </p:blipFill>
         <p:spPr>
           <a:xfrm>
-            <a:off x="4486134" y="1844182"/>
-            <a:ext cx="3219732" cy="2295332"/>
+            <a:off x="4238742" y="1491452"/>
+            <a:ext cx="3714516" cy="2648061"/>
           </a:xfrm>
           <a:prstGeom prst="rect">
             <a:avLst/>
@@ -12818,8 +12912,8 @@
         </p:blipFill>
         <p:spPr>
           <a:xfrm>
-            <a:off x="8204886" y="1844183"/>
-            <a:ext cx="3219732" cy="2295332"/>
+            <a:off x="8306033" y="1491452"/>
+            <a:ext cx="3714517" cy="2648062"/>
           </a:xfrm>
           <a:prstGeom prst="rect">
             <a:avLst/>
@@ -12861,7 +12955,7 @@
           <p:cNvPr id="2" name="Title 1">
             <a:extLst>
               <a:ext uri="{FF2B5EF4-FFF2-40B4-BE49-F238E27FC236}">
-                <a16:creationId xmlns:a16="http://schemas.microsoft.com/office/drawing/2014/main" id="{7E4398CA-F36B-B044-A203-9EFCF6E9D0FD}"/>
+                <a16:creationId xmlns:a16="http://schemas.microsoft.com/office/drawing/2014/main" id="{E2CDF4C7-2288-A94E-BEB0-3C7A873A5E73}"/>
               </a:ext>
             </a:extLst>
           </p:cNvPr>
@@ -12881,17 +12975,17 @@
           <a:p>
             <a:r>
               <a:rPr lang="en-US" dirty="0"/>
-              <a:t>Air Quality Index per Body Type for 2009, 2015 and 2020</a:t>
+              <a:t>Air quality Index vs Age of Cars for 2009, 2015 and 2020</a:t>
             </a:r>
           </a:p>
         </p:txBody>
       </p:sp>
       <p:pic>
         <p:nvPicPr>
-          <p:cNvPr id="5" name="Content Placeholder 4" descr="Chart, bar chart&#10;&#10;Description automatically generated">
+          <p:cNvPr id="5" name="Content Placeholder 4">
             <a:extLst>
               <a:ext uri="{FF2B5EF4-FFF2-40B4-BE49-F238E27FC236}">
-                <a16:creationId xmlns:a16="http://schemas.microsoft.com/office/drawing/2014/main" id="{446B0F74-FD62-194E-88DE-69F1F9740D79}"/>
+                <a16:creationId xmlns:a16="http://schemas.microsoft.com/office/drawing/2014/main" id="{FF0FD265-5314-3846-BBA6-D8E7DCDD57CF}"/>
               </a:ext>
             </a:extLst>
           </p:cNvPr>
@@ -12910,17 +13004,17 @@
         </p:blipFill>
         <p:spPr>
           <a:xfrm>
-            <a:off x="513678" y="1998620"/>
-            <a:ext cx="3291642" cy="2239748"/>
+            <a:off x="207833" y="1690687"/>
+            <a:ext cx="3718355" cy="2957621"/>
           </a:xfrm>
         </p:spPr>
       </p:pic>
       <p:pic>
         <p:nvPicPr>
-          <p:cNvPr id="7" name="Picture 6" descr="Chart, bar chart, histogram&#10;&#10;Description automatically generated">
+          <p:cNvPr id="7" name="Picture 6" descr="Chart, scatter chart&#10;&#10;Description automatically generated">
             <a:extLst>
               <a:ext uri="{FF2B5EF4-FFF2-40B4-BE49-F238E27FC236}">
-                <a16:creationId xmlns:a16="http://schemas.microsoft.com/office/drawing/2014/main" id="{75EFB4B9-603F-0148-8A91-F3B29300488F}"/>
+                <a16:creationId xmlns:a16="http://schemas.microsoft.com/office/drawing/2014/main" id="{2FE2BC47-9997-3C48-9C95-2F0C06767F74}"/>
               </a:ext>
             </a:extLst>
           </p:cNvPr>
@@ -12937,8 +13031,8 @@
         </p:blipFill>
         <p:spPr>
           <a:xfrm>
-            <a:off x="4351324" y="1998621"/>
-            <a:ext cx="3291642" cy="2256920"/>
+            <a:off x="4297354" y="1690687"/>
+            <a:ext cx="3597292" cy="2957620"/>
           </a:xfrm>
           <a:prstGeom prst="rect">
             <a:avLst/>
@@ -12947,10 +13041,10 @@
       </p:pic>
       <p:pic>
         <p:nvPicPr>
-          <p:cNvPr id="9" name="Picture 8" descr="Chart, bar chart&#10;&#10;Description automatically generated">
+          <p:cNvPr id="9" name="Picture 8" descr="Chart, scatter chart&#10;&#10;Description automatically generated">
             <a:extLst>
               <a:ext uri="{FF2B5EF4-FFF2-40B4-BE49-F238E27FC236}">
-                <a16:creationId xmlns:a16="http://schemas.microsoft.com/office/drawing/2014/main" id="{6BF959CE-6973-F140-9B75-B29172D76353}"/>
+                <a16:creationId xmlns:a16="http://schemas.microsoft.com/office/drawing/2014/main" id="{4C84F602-12FF-B94E-9122-F225C1615D7A}"/>
               </a:ext>
             </a:extLst>
           </p:cNvPr>
@@ -12967,8 +13061,8 @@
         </p:blipFill>
         <p:spPr>
           <a:xfrm>
-            <a:off x="8386678" y="1998620"/>
-            <a:ext cx="3291643" cy="2256921"/>
+            <a:off x="8265813" y="1690687"/>
+            <a:ext cx="3718354" cy="2957620"/>
           </a:xfrm>
           <a:prstGeom prst="rect">
             <a:avLst/>
@@ -12978,7 +13072,7 @@
     </p:spTree>
     <p:extLst>
       <p:ext uri="{BB962C8B-B14F-4D97-AF65-F5344CB8AC3E}">
-        <p14:creationId xmlns:p14="http://schemas.microsoft.com/office/powerpoint/2010/main" val="291841990"/>
+        <p14:creationId xmlns:p14="http://schemas.microsoft.com/office/powerpoint/2010/main" val="2848688168"/>
       </p:ext>
     </p:extLst>
   </p:cSld>
@@ -13010,7 +13104,7 @@
           <p:cNvPr id="2" name="Title 1">
             <a:extLst>
               <a:ext uri="{FF2B5EF4-FFF2-40B4-BE49-F238E27FC236}">
-                <a16:creationId xmlns:a16="http://schemas.microsoft.com/office/drawing/2014/main" id="{F7A140CF-C3D3-1F4A-8831-2D9DCC1EFFC1}"/>
+                <a16:creationId xmlns:a16="http://schemas.microsoft.com/office/drawing/2014/main" id="{7E4398CA-F36B-B044-A203-9EFCF6E9D0FD}"/>
               </a:ext>
             </a:extLst>
           </p:cNvPr>
@@ -13030,26 +13124,24 @@
           <a:p>
             <a:r>
               <a:rPr lang="en-US" dirty="0"/>
-              <a:t>Air Quality Index for Private vs Commercial cars</a:t>
+              <a:t>Air Quality Index per Body Type for 2009, 2015 and 2020</a:t>
             </a:r>
           </a:p>
         </p:txBody>
       </p:sp>
       <p:pic>
         <p:nvPicPr>
-          <p:cNvPr id="5" name="Content Placeholder 4" descr="Chart, box and whisker chart&#10;&#10;Description automatically generated">
+          <p:cNvPr id="7" name="Picture 6" descr="Chart, bar chart, histogram&#10;&#10;Description automatically generated">
             <a:extLst>
               <a:ext uri="{FF2B5EF4-FFF2-40B4-BE49-F238E27FC236}">
-                <a16:creationId xmlns:a16="http://schemas.microsoft.com/office/drawing/2014/main" id="{DEE3CE30-C1EC-0546-B151-BF575EC10228}"/>
+                <a16:creationId xmlns:a16="http://schemas.microsoft.com/office/drawing/2014/main" id="{75EFB4B9-603F-0148-8A91-F3B29300488F}"/>
               </a:ext>
             </a:extLst>
           </p:cNvPr>
           <p:cNvPicPr>
-            <a:picLocks noGrp="1" noChangeAspect="1"/>
+            <a:picLocks noChangeAspect="1"/>
           </p:cNvPicPr>
-          <p:nvPr>
-            <p:ph idx="1"/>
-          </p:nvPr>
+          <p:nvPr/>
         </p:nvPicPr>
         <p:blipFill>
           <a:blip r:embed="rId2"/>
@@ -13059,17 +13151,20 @@
         </p:blipFill>
         <p:spPr>
           <a:xfrm>
-            <a:off x="515893" y="2113005"/>
-            <a:ext cx="3431308" cy="2446164"/>
+            <a:off x="4156893" y="1808890"/>
+            <a:ext cx="3878214" cy="2659104"/>
           </a:xfrm>
+          <a:prstGeom prst="rect">
+            <a:avLst/>
+          </a:prstGeom>
         </p:spPr>
       </p:pic>
       <p:pic>
         <p:nvPicPr>
-          <p:cNvPr id="7" name="Picture 6" descr="Chart, box and whisker chart&#10;&#10;Description automatically generated">
+          <p:cNvPr id="9" name="Picture 8" descr="Chart, bar chart&#10;&#10;Description automatically generated">
             <a:extLst>
               <a:ext uri="{FF2B5EF4-FFF2-40B4-BE49-F238E27FC236}">
-                <a16:creationId xmlns:a16="http://schemas.microsoft.com/office/drawing/2014/main" id="{8B386162-C574-CD49-A4A7-5688E37F2B1A}"/>
+                <a16:creationId xmlns:a16="http://schemas.microsoft.com/office/drawing/2014/main" id="{6BF959CE-6973-F140-9B75-B29172D76353}"/>
               </a:ext>
             </a:extLst>
           </p:cNvPr>
@@ -13086,8 +13181,8 @@
         </p:blipFill>
         <p:spPr>
           <a:xfrm>
-            <a:off x="8244801" y="2113005"/>
-            <a:ext cx="3431308" cy="2446164"/>
+            <a:off x="8156787" y="1808890"/>
+            <a:ext cx="3878213" cy="2659104"/>
           </a:xfrm>
           <a:prstGeom prst="rect">
             <a:avLst/>
@@ -13096,17 +13191,19 @@
       </p:pic>
       <p:pic>
         <p:nvPicPr>
-          <p:cNvPr id="9" name="Picture 8" descr="Chart, box and whisker chart&#10;&#10;Description automatically generated">
+          <p:cNvPr id="8" name="Content Placeholder 7" descr="Chart, bar chart&#10;&#10;Description automatically generated">
             <a:extLst>
               <a:ext uri="{FF2B5EF4-FFF2-40B4-BE49-F238E27FC236}">
-                <a16:creationId xmlns:a16="http://schemas.microsoft.com/office/drawing/2014/main" id="{CB6EF2B5-322F-1D4B-9220-E257B0A3C94F}"/>
+                <a16:creationId xmlns:a16="http://schemas.microsoft.com/office/drawing/2014/main" id="{08AE2FF3-7A4F-C94B-8179-0B560F757D1D}"/>
               </a:ext>
             </a:extLst>
           </p:cNvPr>
           <p:cNvPicPr>
-            <a:picLocks noChangeAspect="1"/>
+            <a:picLocks noGrp="1" noChangeAspect="1"/>
           </p:cNvPicPr>
-          <p:nvPr/>
+          <p:nvPr>
+            <p:ph idx="1"/>
+          </p:nvPr>
         </p:nvPicPr>
         <p:blipFill>
           <a:blip r:embed="rId4"/>
@@ -13116,18 +13213,15 @@
         </p:blipFill>
         <p:spPr>
           <a:xfrm>
-            <a:off x="4380346" y="2113005"/>
-            <a:ext cx="3431308" cy="2446164"/>
+            <a:off x="157000" y="1808889"/>
+            <a:ext cx="3907949" cy="2659105"/>
           </a:xfrm>
-          <a:prstGeom prst="rect">
-            <a:avLst/>
-          </a:prstGeom>
         </p:spPr>
       </p:pic>
     </p:spTree>
     <p:extLst>
       <p:ext uri="{BB962C8B-B14F-4D97-AF65-F5344CB8AC3E}">
-        <p14:creationId xmlns:p14="http://schemas.microsoft.com/office/powerpoint/2010/main" val="3470521230"/>
+        <p14:creationId xmlns:p14="http://schemas.microsoft.com/office/powerpoint/2010/main" val="291841990"/>
       </p:ext>
     </p:extLst>
   </p:cSld>
